--- a/docs/Sliding Puzzle.pptx
+++ b/docs/Sliding Puzzle.pptx
@@ -9,10 +9,12 @@
     <p:sldId id="257" r:id="rId3"/>
     <p:sldId id="258" r:id="rId4"/>
     <p:sldId id="260" r:id="rId5"/>
-    <p:sldId id="261" r:id="rId6"/>
-    <p:sldId id="262" r:id="rId7"/>
-    <p:sldId id="263" r:id="rId8"/>
-    <p:sldId id="259" r:id="rId9"/>
+    <p:sldId id="264" r:id="rId6"/>
+    <p:sldId id="261" r:id="rId7"/>
+    <p:sldId id="262" r:id="rId8"/>
+    <p:sldId id="265" r:id="rId9"/>
+    <p:sldId id="263" r:id="rId10"/>
+    <p:sldId id="259" r:id="rId11"/>
   </p:sldIdLst>
   <p:sldSz cx="12192000" cy="6858000"/>
   <p:notesSz cx="6858000" cy="9144000"/>
@@ -6101,6 +6103,119 @@
 </p:sld>
 </file>
 
+<file path=ppt/slides/slide10.xml><?xml version="1.0" encoding="utf-8"?>
+<p:sld xmlns:a="http://schemas.openxmlformats.org/drawingml/2006/main" xmlns:r="http://schemas.openxmlformats.org/officeDocument/2006/relationships" xmlns:p="http://schemas.openxmlformats.org/presentationml/2006/main">
+  <p:cSld>
+    <p:spTree>
+      <p:nvGrpSpPr>
+        <p:cNvPr id="1" name=""/>
+        <p:cNvGrpSpPr/>
+        <p:nvPr/>
+      </p:nvGrpSpPr>
+      <p:grpSpPr>
+        <a:xfrm>
+          <a:off x="0" y="0"/>
+          <a:ext cx="0" cy="0"/>
+          <a:chOff x="0" y="0"/>
+          <a:chExt cx="0" cy="0"/>
+        </a:xfrm>
+      </p:grpSpPr>
+      <p:sp>
+        <p:nvSpPr>
+          <p:cNvPr id="2" name="Title 1"/>
+          <p:cNvSpPr>
+            <a:spLocks noGrp="1"/>
+          </p:cNvSpPr>
+          <p:nvPr>
+            <p:ph type="title"/>
+          </p:nvPr>
+        </p:nvSpPr>
+        <p:spPr/>
+        <p:txBody>
+          <a:bodyPr/>
+          <a:lstStyle/>
+          <a:p>
+            <a:r>
+              <a:rPr lang="en-US" dirty="0"/>
+              <a:t>References</a:t>
+            </a:r>
+          </a:p>
+        </p:txBody>
+      </p:sp>
+      <p:sp>
+        <p:nvSpPr>
+          <p:cNvPr id="3" name="Content Placeholder 2"/>
+          <p:cNvSpPr>
+            <a:spLocks noGrp="1"/>
+          </p:cNvSpPr>
+          <p:nvPr>
+            <p:ph idx="1"/>
+          </p:nvPr>
+        </p:nvSpPr>
+        <p:spPr/>
+        <p:txBody>
+          <a:bodyPr/>
+          <a:lstStyle/>
+          <a:p>
+            <a:r>
+              <a:rPr lang="en-US" dirty="0">
+                <a:hlinkClick r:id="rId2"/>
+              </a:rPr>
+              <a:t>https://en.wikipedia.org/wiki/Sliding_puzzle</a:t>
+            </a:r>
+            <a:endParaRPr lang="en-US" dirty="0"/>
+          </a:p>
+          <a:p>
+            <a:r>
+              <a:rPr lang="en-US" dirty="0">
+                <a:hlinkClick r:id="rId3"/>
+              </a:rPr>
+              <a:t>https://docs.microsoft.com/en-us/windows/uwp/get-started/universal-application-platform-guide</a:t>
+            </a:r>
+            <a:endParaRPr lang="en-US" dirty="0"/>
+          </a:p>
+          <a:p>
+            <a:r>
+              <a:rPr lang="en-US" dirty="0">
+                <a:hlinkClick r:id="rId4"/>
+              </a:rPr>
+              <a:t>https://visualstudiomagazine.com/articles/2015/10/30/sliding-tiles-c-sharp-ai.aspx</a:t>
+            </a:r>
+            <a:endParaRPr lang="en-US" dirty="0"/>
+          </a:p>
+          <a:p>
+            <a:r>
+              <a:rPr lang="en-US" dirty="0">
+                <a:hlinkClick r:id="rId5"/>
+              </a:rPr>
+              <a:t>https://documentation.devexpress.com/windowsforms/113955/Build-an-Application/WinForms-MVVM</a:t>
+            </a:r>
+            <a:endParaRPr lang="en-US" dirty="0"/>
+          </a:p>
+          <a:p>
+            <a:endParaRPr lang="en-US" dirty="0"/>
+          </a:p>
+          <a:p>
+            <a:endParaRPr lang="en-US" dirty="0"/>
+          </a:p>
+          <a:p>
+            <a:endParaRPr lang="en-US" dirty="0"/>
+          </a:p>
+        </p:txBody>
+      </p:sp>
+    </p:spTree>
+    <p:extLst>
+      <p:ext uri="{BB962C8B-B14F-4D97-AF65-F5344CB8AC3E}">
+        <p14:creationId xmlns:p14="http://schemas.microsoft.com/office/powerpoint/2010/main" val="3583482996"/>
+      </p:ext>
+    </p:extLst>
+  </p:cSld>
+  <p:clrMapOvr>
+    <a:masterClrMapping/>
+  </p:clrMapOvr>
+</p:sld>
+</file>
+
 <file path=ppt/slides/slide2.xml><?xml version="1.0" encoding="utf-8"?>
 <p:sld xmlns:a="http://schemas.openxmlformats.org/drawingml/2006/main" xmlns:r="http://schemas.openxmlformats.org/officeDocument/2006/relationships" xmlns:p="http://schemas.openxmlformats.org/presentationml/2006/main">
   <p:cSld>
@@ -6412,15 +6527,13 @@
           <a:p>
             <a:r>
               <a:rPr lang="en-US" dirty="0"/>
-              <a:t>Data </a:t>
-            </a:r>
-            <a:r>
-              <a:rPr lang="en-US" dirty="0" err="1"/>
-              <a:t>Storeage</a:t>
-            </a:r>
+              <a:t>Data Storage : Azure Cloud – No SQL – Azure tables</a:t>
+            </a:r>
+          </a:p>
+          <a:p>
             <a:r>
               <a:rPr lang="en-US" dirty="0"/>
-              <a:t> : Azure Cloud – No SQL – Azure tables</a:t>
+              <a:t>Design : MVVM</a:t>
             </a:r>
           </a:p>
         </p:txBody>
@@ -6472,6 +6585,87 @@
           <a:p>
             <a:r>
               <a:rPr lang="en-US" dirty="0"/>
+              <a:t>Implementation : MVVM</a:t>
+            </a:r>
+          </a:p>
+        </p:txBody>
+      </p:sp>
+      <p:pic>
+        <p:nvPicPr>
+          <p:cNvPr id="9" name="Content Placeholder 8"/>
+          <p:cNvPicPr>
+            <a:picLocks noGrp="1" noChangeAspect="1"/>
+          </p:cNvPicPr>
+          <p:nvPr>
+            <p:ph idx="1"/>
+          </p:nvPr>
+        </p:nvPicPr>
+        <p:blipFill>
+          <a:blip r:embed="rId2">
+            <a:extLst>
+              <a:ext uri="{28A0092B-C50C-407E-A947-70E740481C1C}">
+                <a14:useLocalDpi xmlns:a14="http://schemas.microsoft.com/office/drawing/2010/main" val="0"/>
+              </a:ext>
+            </a:extLst>
+          </a:blip>
+          <a:stretch>
+            <a:fillRect/>
+          </a:stretch>
+        </p:blipFill>
+        <p:spPr>
+          <a:xfrm>
+            <a:off x="1346994" y="3163094"/>
+            <a:ext cx="7258050" cy="1876425"/>
+          </a:xfrm>
+        </p:spPr>
+      </p:pic>
+    </p:spTree>
+    <p:extLst>
+      <p:ext uri="{BB962C8B-B14F-4D97-AF65-F5344CB8AC3E}">
+        <p14:creationId xmlns:p14="http://schemas.microsoft.com/office/powerpoint/2010/main" val="4179406635"/>
+      </p:ext>
+    </p:extLst>
+  </p:cSld>
+  <p:clrMapOvr>
+    <a:masterClrMapping/>
+  </p:clrMapOvr>
+</p:sld>
+</file>
+
+<file path=ppt/slides/slide6.xml><?xml version="1.0" encoding="utf-8"?>
+<p:sld xmlns:a="http://schemas.openxmlformats.org/drawingml/2006/main" xmlns:r="http://schemas.openxmlformats.org/officeDocument/2006/relationships" xmlns:p="http://schemas.openxmlformats.org/presentationml/2006/main">
+  <p:cSld>
+    <p:spTree>
+      <p:nvGrpSpPr>
+        <p:cNvPr id="1" name=""/>
+        <p:cNvGrpSpPr/>
+        <p:nvPr/>
+      </p:nvGrpSpPr>
+      <p:grpSpPr>
+        <a:xfrm>
+          <a:off x="0" y="0"/>
+          <a:ext cx="0" cy="0"/>
+          <a:chOff x="0" y="0"/>
+          <a:chExt cx="0" cy="0"/>
+        </a:xfrm>
+      </p:grpSpPr>
+      <p:sp>
+        <p:nvSpPr>
+          <p:cNvPr id="2" name="Title 1"/>
+          <p:cNvSpPr>
+            <a:spLocks noGrp="1"/>
+          </p:cNvSpPr>
+          <p:nvPr>
+            <p:ph type="title"/>
+          </p:nvPr>
+        </p:nvSpPr>
+        <p:spPr/>
+        <p:txBody>
+          <a:bodyPr/>
+          <a:lstStyle/>
+          <a:p>
+            <a:r>
+              <a:rPr lang="en-US" dirty="0"/>
               <a:t>Puzzle – Core Functionalities</a:t>
             </a:r>
           </a:p>
@@ -6531,7 +6725,7 @@
             <a:pPr lvl="2"/>
             <a:r>
               <a:rPr lang="en-US" dirty="0"/>
-              <a:t>Using State data</a:t>
+              <a:t>Using puzzle randomizing data</a:t>
             </a:r>
           </a:p>
           <a:p>
@@ -6556,7 +6750,7 @@
 </p:sld>
 </file>
 
-<file path=ppt/slides/slide6.xml><?xml version="1.0" encoding="utf-8"?>
+<file path=ppt/slides/slide7.xml><?xml version="1.0" encoding="utf-8"?>
 <p:sld xmlns:a="http://schemas.openxmlformats.org/drawingml/2006/main" xmlns:r="http://schemas.openxmlformats.org/officeDocument/2006/relationships" xmlns:p="http://schemas.openxmlformats.org/presentationml/2006/main">
   <p:cSld>
     <p:spTree>
@@ -6675,63 +6869,6 @@
 </p:sld>
 </file>
 
-<file path=ppt/slides/slide7.xml><?xml version="1.0" encoding="utf-8"?>
-<p:sld xmlns:a="http://schemas.openxmlformats.org/drawingml/2006/main" xmlns:r="http://schemas.openxmlformats.org/officeDocument/2006/relationships" xmlns:p="http://schemas.openxmlformats.org/presentationml/2006/main">
-  <p:cSld>
-    <p:spTree>
-      <p:nvGrpSpPr>
-        <p:cNvPr id="1" name=""/>
-        <p:cNvGrpSpPr/>
-        <p:nvPr/>
-      </p:nvGrpSpPr>
-      <p:grpSpPr>
-        <a:xfrm>
-          <a:off x="0" y="0"/>
-          <a:ext cx="0" cy="0"/>
-          <a:chOff x="0" y="0"/>
-          <a:chExt cx="0" cy="0"/>
-        </a:xfrm>
-      </p:grpSpPr>
-      <p:sp>
-        <p:nvSpPr>
-          <p:cNvPr id="2" name="Title 1"/>
-          <p:cNvSpPr>
-            <a:spLocks noGrp="1"/>
-          </p:cNvSpPr>
-          <p:nvPr>
-            <p:ph type="title"/>
-          </p:nvPr>
-        </p:nvSpPr>
-        <p:spPr>
-          <a:xfrm>
-            <a:off x="699746" y="2796989"/>
-            <a:ext cx="8596668" cy="1320800"/>
-          </a:xfrm>
-        </p:spPr>
-        <p:txBody>
-          <a:bodyPr/>
-          <a:lstStyle/>
-          <a:p>
-            <a:r>
-              <a:rPr lang="en-US" dirty="0"/>
-              <a:t>Demo</a:t>
-            </a:r>
-          </a:p>
-        </p:txBody>
-      </p:sp>
-    </p:spTree>
-    <p:extLst>
-      <p:ext uri="{BB962C8B-B14F-4D97-AF65-F5344CB8AC3E}">
-        <p14:creationId xmlns:p14="http://schemas.microsoft.com/office/powerpoint/2010/main" val="2231154658"/>
-      </p:ext>
-    </p:extLst>
-  </p:cSld>
-  <p:clrMapOvr>
-    <a:masterClrMapping/>
-  </p:clrMapOvr>
-</p:sld>
-</file>
-
 <file path=ppt/slides/slide8.xml><?xml version="1.0" encoding="utf-8"?>
 <p:sld xmlns:a="http://schemas.openxmlformats.org/drawingml/2006/main" xmlns:r="http://schemas.openxmlformats.org/officeDocument/2006/relationships" xmlns:p="http://schemas.openxmlformats.org/presentationml/2006/main">
   <p:cSld>
@@ -6766,67 +6903,101 @@
           <a:p>
             <a:r>
               <a:rPr lang="en-US" dirty="0"/>
-              <a:t>References</a:t>
-            </a:r>
-          </a:p>
-        </p:txBody>
-      </p:sp>
-      <p:sp>
-        <p:nvSpPr>
-          <p:cNvPr id="3" name="Content Placeholder 2"/>
-          <p:cNvSpPr>
-            <a:spLocks noGrp="1"/>
-          </p:cNvSpPr>
+              <a:t>Class diagram</a:t>
+            </a:r>
+          </a:p>
+        </p:txBody>
+      </p:sp>
+      <p:pic>
+        <p:nvPicPr>
+          <p:cNvPr id="5" name="Content Placeholder 4"/>
+          <p:cNvPicPr>
+            <a:picLocks noGrp="1" noChangeAspect="1"/>
+          </p:cNvPicPr>
           <p:nvPr>
             <p:ph idx="1"/>
           </p:nvPr>
-        </p:nvSpPr>
-        <p:spPr/>
-        <p:txBody>
-          <a:bodyPr/>
-          <a:lstStyle/>
-          <a:p>
-            <a:r>
-              <a:rPr lang="en-US" dirty="0">
-                <a:hlinkClick r:id="rId2"/>
-              </a:rPr>
-              <a:t>https://en.wikipedia.org/wiki/Sliding_puzzle</a:t>
-            </a:r>
-            <a:endParaRPr lang="en-US" dirty="0"/>
-          </a:p>
-          <a:p>
-            <a:r>
-              <a:rPr lang="en-US" dirty="0">
-                <a:hlinkClick r:id="rId3"/>
-              </a:rPr>
-              <a:t>https://docs.microsoft.com/en-us/windows/uwp/get-started/universal-application-platform-guide</a:t>
-            </a:r>
-            <a:endParaRPr lang="en-US" dirty="0"/>
-          </a:p>
-          <a:p>
-            <a:r>
-              <a:rPr lang="en-US" dirty="0">
-                <a:hlinkClick r:id="rId4"/>
-              </a:rPr>
-              <a:t>https://visualstudiomagazine.com/articles/2015/10/30/sliding-tiles-c-sharp-ai.aspx</a:t>
-            </a:r>
-            <a:endParaRPr lang="en-US" dirty="0"/>
-          </a:p>
-          <a:p>
-            <a:endParaRPr lang="en-US" dirty="0"/>
-          </a:p>
-          <a:p>
-            <a:endParaRPr lang="en-US" dirty="0"/>
-          </a:p>
-          <a:p>
-            <a:endParaRPr lang="en-US" dirty="0"/>
-          </a:p>
-        </p:txBody>
-      </p:sp>
+        </p:nvPicPr>
+        <p:blipFill>
+          <a:blip r:embed="rId2" cstate="print">
+            <a:extLst>
+              <a:ext uri="{28A0092B-C50C-407E-A947-70E740481C1C}">
+                <a14:useLocalDpi xmlns:a14="http://schemas.microsoft.com/office/drawing/2010/main" val="0"/>
+              </a:ext>
+            </a:extLst>
+          </a:blip>
+          <a:stretch>
+            <a:fillRect/>
+          </a:stretch>
+        </p:blipFill>
+        <p:spPr>
+          <a:xfrm>
+            <a:off x="677863" y="1468193"/>
+            <a:ext cx="10646960" cy="4997002"/>
+          </a:xfrm>
+        </p:spPr>
+      </p:pic>
     </p:spTree>
     <p:extLst>
       <p:ext uri="{BB962C8B-B14F-4D97-AF65-F5344CB8AC3E}">
-        <p14:creationId xmlns:p14="http://schemas.microsoft.com/office/powerpoint/2010/main" val="3583482996"/>
+        <p14:creationId xmlns:p14="http://schemas.microsoft.com/office/powerpoint/2010/main" val="357343091"/>
+      </p:ext>
+    </p:extLst>
+  </p:cSld>
+  <p:clrMapOvr>
+    <a:masterClrMapping/>
+  </p:clrMapOvr>
+</p:sld>
+</file>
+
+<file path=ppt/slides/slide9.xml><?xml version="1.0" encoding="utf-8"?>
+<p:sld xmlns:a="http://schemas.openxmlformats.org/drawingml/2006/main" xmlns:r="http://schemas.openxmlformats.org/officeDocument/2006/relationships" xmlns:p="http://schemas.openxmlformats.org/presentationml/2006/main">
+  <p:cSld>
+    <p:spTree>
+      <p:nvGrpSpPr>
+        <p:cNvPr id="1" name=""/>
+        <p:cNvGrpSpPr/>
+        <p:nvPr/>
+      </p:nvGrpSpPr>
+      <p:grpSpPr>
+        <a:xfrm>
+          <a:off x="0" y="0"/>
+          <a:ext cx="0" cy="0"/>
+          <a:chOff x="0" y="0"/>
+          <a:chExt cx="0" cy="0"/>
+        </a:xfrm>
+      </p:grpSpPr>
+      <p:sp>
+        <p:nvSpPr>
+          <p:cNvPr id="2" name="Title 1"/>
+          <p:cNvSpPr>
+            <a:spLocks noGrp="1"/>
+          </p:cNvSpPr>
+          <p:nvPr>
+            <p:ph type="title"/>
+          </p:nvPr>
+        </p:nvSpPr>
+        <p:spPr>
+          <a:xfrm>
+            <a:off x="699746" y="2796989"/>
+            <a:ext cx="8596668" cy="1320800"/>
+          </a:xfrm>
+        </p:spPr>
+        <p:txBody>
+          <a:bodyPr/>
+          <a:lstStyle/>
+          <a:p>
+            <a:r>
+              <a:rPr lang="en-US" dirty="0"/>
+              <a:t>Demo</a:t>
+            </a:r>
+          </a:p>
+        </p:txBody>
+      </p:sp>
+    </p:spTree>
+    <p:extLst>
+      <p:ext uri="{BB962C8B-B14F-4D97-AF65-F5344CB8AC3E}">
+        <p14:creationId xmlns:p14="http://schemas.microsoft.com/office/powerpoint/2010/main" val="2231154658"/>
       </p:ext>
     </p:extLst>
   </p:cSld>

--- a/docs/Sliding Puzzle.pptx
+++ b/docs/Sliding Puzzle.pptx
@@ -6910,7 +6910,7 @@
       </p:sp>
       <p:pic>
         <p:nvPicPr>
-          <p:cNvPr id="5" name="Content Placeholder 4"/>
+          <p:cNvPr id="7" name="Content Placeholder 6"/>
           <p:cNvPicPr>
             <a:picLocks noGrp="1" noChangeAspect="1"/>
           </p:cNvPicPr>
@@ -6932,8 +6932,8 @@
         </p:blipFill>
         <p:spPr>
           <a:xfrm>
-            <a:off x="677863" y="1468193"/>
-            <a:ext cx="10646960" cy="4997002"/>
+            <a:off x="677862" y="1360868"/>
+            <a:ext cx="10007309" cy="4881093"/>
           </a:xfrm>
         </p:spPr>
       </p:pic>
